--- a/Project_Inception.pptx
+++ b/Project_Inception.pptx
@@ -142,955 +142,6 @@
     <p1510:client id="{8A63BCB5-57A4-A041-B939-516126DA255B}" v="48" dt="2019-06-04T03:57:12.969"/>
   </p1510:revLst>
 </p1510:revInfo>
-</file>
-
-<file path=ppt/changesInfos/changesInfo1.xml><?xml version="1.0" encoding="utf-8"?>
-<pc:chgInfo xmlns:a="http://schemas.openxmlformats.org/drawingml/2006/main" xmlns:r="http://schemas.openxmlformats.org/officeDocument/2006/relationships" xmlns:ac="http://schemas.microsoft.com/office/drawing/2013/main/command" xmlns:pc="http://schemas.microsoft.com/office/powerpoint/2013/main/command">
-  <pc:docChgLst>
-    <pc:chgData name="Xai Vang" userId="S::vm9617qo@metrostate.edu::f28fac22-9850-4153-a8e1-8b6743cd48e0" providerId="AD" clId="Web-{8EE3820C-8785-4171-B2FE-5DDBCF2CD696}"/>
-    <pc:docChg chg="modSld">
-      <pc:chgData name="Xai Vang" userId="S::vm9617qo@metrostate.edu::f28fac22-9850-4153-a8e1-8b6743cd48e0" providerId="AD" clId="Web-{8EE3820C-8785-4171-B2FE-5DDBCF2CD696}" dt="2019-06-04T13:20:49.723" v="3" actId="1076"/>
-      <pc:docMkLst>
-        <pc:docMk/>
-      </pc:docMkLst>
-      <pc:sldChg chg="modSp">
-        <pc:chgData name="Xai Vang" userId="S::vm9617qo@metrostate.edu::f28fac22-9850-4153-a8e1-8b6743cd48e0" providerId="AD" clId="Web-{8EE3820C-8785-4171-B2FE-5DDBCF2CD696}" dt="2019-06-04T13:20:49.723" v="3" actId="1076"/>
-        <pc:sldMkLst>
-          <pc:docMk/>
-          <pc:sldMk cId="480225811" sldId="257"/>
-        </pc:sldMkLst>
-        <pc:spChg chg="mod">
-          <ac:chgData name="Xai Vang" userId="S::vm9617qo@metrostate.edu::f28fac22-9850-4153-a8e1-8b6743cd48e0" providerId="AD" clId="Web-{8EE3820C-8785-4171-B2FE-5DDBCF2CD696}" dt="2019-06-04T13:20:49.723" v="3" actId="1076"/>
-          <ac:spMkLst>
-            <pc:docMk/>
-            <pc:sldMk cId="480225811" sldId="257"/>
-            <ac:spMk id="2" creationId="{00000000-0000-0000-0000-000000000000}"/>
-          </ac:spMkLst>
-        </pc:spChg>
-        <pc:spChg chg="mod">
-          <ac:chgData name="Xai Vang" userId="S::vm9617qo@metrostate.edu::f28fac22-9850-4153-a8e1-8b6743cd48e0" providerId="AD" clId="Web-{8EE3820C-8785-4171-B2FE-5DDBCF2CD696}" dt="2019-06-04T13:20:42.691" v="2" actId="1076"/>
-          <ac:spMkLst>
-            <pc:docMk/>
-            <pc:sldMk cId="480225811" sldId="257"/>
-            <ac:spMk id="8" creationId="{00000000-0000-0000-0000-000000000000}"/>
-          </ac:spMkLst>
-        </pc:spChg>
-      </pc:sldChg>
-    </pc:docChg>
-  </pc:docChgLst>
-  <pc:docChgLst>
-    <pc:chgData name="Sipxaysana Xayaxang" userId="S::pu7856eg@metrostate.edu::39db90d9-0f41-4741-ae71-00ba45a6a9e4" providerId="AD" clId="Web-{E3208EE2-54B2-4E19-9EFF-0E05C763609A}"/>
-    <pc:docChg chg="modSld">
-      <pc:chgData name="Sipxaysana Xayaxang" userId="S::pu7856eg@metrostate.edu::39db90d9-0f41-4741-ae71-00ba45a6a9e4" providerId="AD" clId="Web-{E3208EE2-54B2-4E19-9EFF-0E05C763609A}" dt="2019-06-04T22:08:37.840" v="5" actId="20577"/>
-      <pc:docMkLst>
-        <pc:docMk/>
-      </pc:docMkLst>
-      <pc:sldChg chg="modSp">
-        <pc:chgData name="Sipxaysana Xayaxang" userId="S::pu7856eg@metrostate.edu::39db90d9-0f41-4741-ae71-00ba45a6a9e4" providerId="AD" clId="Web-{E3208EE2-54B2-4E19-9EFF-0E05C763609A}" dt="2019-06-04T22:07:54.369" v="0" actId="20577"/>
-        <pc:sldMkLst>
-          <pc:docMk/>
-          <pc:sldMk cId="3524334684" sldId="268"/>
-        </pc:sldMkLst>
-        <pc:spChg chg="mod">
-          <ac:chgData name="Sipxaysana Xayaxang" userId="S::pu7856eg@metrostate.edu::39db90d9-0f41-4741-ae71-00ba45a6a9e4" providerId="AD" clId="Web-{E3208EE2-54B2-4E19-9EFF-0E05C763609A}" dt="2019-06-04T22:07:54.369" v="0" actId="20577"/>
-          <ac:spMkLst>
-            <pc:docMk/>
-            <pc:sldMk cId="3524334684" sldId="268"/>
-            <ac:spMk id="2" creationId="{00000000-0000-0000-0000-000000000000}"/>
-          </ac:spMkLst>
-        </pc:spChg>
-      </pc:sldChg>
-      <pc:sldChg chg="modSp">
-        <pc:chgData name="Sipxaysana Xayaxang" userId="S::pu7856eg@metrostate.edu::39db90d9-0f41-4741-ae71-00ba45a6a9e4" providerId="AD" clId="Web-{E3208EE2-54B2-4E19-9EFF-0E05C763609A}" dt="2019-06-04T22:08:36.246" v="4" actId="20577"/>
-        <pc:sldMkLst>
-          <pc:docMk/>
-          <pc:sldMk cId="1129131550" sldId="270"/>
-        </pc:sldMkLst>
-        <pc:spChg chg="mod">
-          <ac:chgData name="Sipxaysana Xayaxang" userId="S::pu7856eg@metrostate.edu::39db90d9-0f41-4741-ae71-00ba45a6a9e4" providerId="AD" clId="Web-{E3208EE2-54B2-4E19-9EFF-0E05C763609A}" dt="2019-06-04T22:08:36.246" v="4" actId="20577"/>
-          <ac:spMkLst>
-            <pc:docMk/>
-            <pc:sldMk cId="1129131550" sldId="270"/>
-            <ac:spMk id="2" creationId="{00000000-0000-0000-0000-000000000000}"/>
-          </ac:spMkLst>
-        </pc:spChg>
-      </pc:sldChg>
-    </pc:docChg>
-  </pc:docChgLst>
-  <pc:docChgLst>
-    <pc:chgData name="Xai Vang" userId="S::vm9617qo@metrostate.edu::f28fac22-9850-4153-a8e1-8b6743cd48e0" providerId="AD" clId="Web-{11137D27-EF7D-E97C-34FC-B05B2C5669B0}"/>
-    <pc:docChg chg="addSld modSld sldOrd">
-      <pc:chgData name="Xai Vang" userId="S::vm9617qo@metrostate.edu::f28fac22-9850-4153-a8e1-8b6743cd48e0" providerId="AD" clId="Web-{11137D27-EF7D-E97C-34FC-B05B2C5669B0}" dt="2019-06-03T15:27:26.857" v="324" actId="1076"/>
-      <pc:docMkLst>
-        <pc:docMk/>
-      </pc:docMkLst>
-      <pc:sldChg chg="ord">
-        <pc:chgData name="Xai Vang" userId="S::vm9617qo@metrostate.edu::f28fac22-9850-4153-a8e1-8b6743cd48e0" providerId="AD" clId="Web-{11137D27-EF7D-E97C-34FC-B05B2C5669B0}" dt="2019-06-03T15:26:10.686" v="298"/>
-        <pc:sldMkLst>
-          <pc:docMk/>
-          <pc:sldMk cId="480225811" sldId="257"/>
-        </pc:sldMkLst>
-      </pc:sldChg>
-      <pc:sldChg chg="addSp modSp">
-        <pc:chgData name="Xai Vang" userId="S::vm9617qo@metrostate.edu::f28fac22-9850-4153-a8e1-8b6743cd48e0" providerId="AD" clId="Web-{11137D27-EF7D-E97C-34FC-B05B2C5669B0}" dt="2019-06-03T15:27:26.857" v="324" actId="1076"/>
-        <pc:sldMkLst>
-          <pc:docMk/>
-          <pc:sldMk cId="2226160909" sldId="259"/>
-        </pc:sldMkLst>
-        <pc:spChg chg="add mod">
-          <ac:chgData name="Xai Vang" userId="S::vm9617qo@metrostate.edu::f28fac22-9850-4153-a8e1-8b6743cd48e0" providerId="AD" clId="Web-{11137D27-EF7D-E97C-34FC-B05B2C5669B0}" dt="2019-06-03T15:21:32.076" v="3" actId="20577"/>
-          <ac:spMkLst>
-            <pc:docMk/>
-            <pc:sldMk cId="2226160909" sldId="259"/>
-            <ac:spMk id="6" creationId="{4F7DAF9C-9076-41E0-96EB-00A8B2564768}"/>
-          </ac:spMkLst>
-        </pc:spChg>
-        <pc:spChg chg="add mod">
-          <ac:chgData name="Xai Vang" userId="S::vm9617qo@metrostate.edu::f28fac22-9850-4153-a8e1-8b6743cd48e0" providerId="AD" clId="Web-{11137D27-EF7D-E97C-34FC-B05B2C5669B0}" dt="2019-06-03T15:27:26.857" v="324" actId="1076"/>
-          <ac:spMkLst>
-            <pc:docMk/>
-            <pc:sldMk cId="2226160909" sldId="259"/>
-            <ac:spMk id="7" creationId="{806229ED-D5BE-4237-BDB6-52C904209AA6}"/>
-          </ac:spMkLst>
-        </pc:spChg>
-      </pc:sldChg>
-      <pc:sldChg chg="addSp modSp new">
-        <pc:chgData name="Xai Vang" userId="S::vm9617qo@metrostate.edu::f28fac22-9850-4153-a8e1-8b6743cd48e0" providerId="AD" clId="Web-{11137D27-EF7D-E97C-34FC-B05B2C5669B0}" dt="2019-06-03T15:26:02.607" v="296" actId="20577"/>
-        <pc:sldMkLst>
-          <pc:docMk/>
-          <pc:sldMk cId="212228772" sldId="269"/>
-        </pc:sldMkLst>
-        <pc:spChg chg="mod">
-          <ac:chgData name="Xai Vang" userId="S::vm9617qo@metrostate.edu::f28fac22-9850-4153-a8e1-8b6743cd48e0" providerId="AD" clId="Web-{11137D27-EF7D-E97C-34FC-B05B2C5669B0}" dt="2019-06-03T15:23:37.201" v="19" actId="1076"/>
-          <ac:spMkLst>
-            <pc:docMk/>
-            <pc:sldMk cId="212228772" sldId="269"/>
-            <ac:spMk id="2" creationId="{8E881E39-79E5-4C12-8988-0226AC5866DB}"/>
-          </ac:spMkLst>
-        </pc:spChg>
-        <pc:spChg chg="add mod">
-          <ac:chgData name="Xai Vang" userId="S::vm9617qo@metrostate.edu::f28fac22-9850-4153-a8e1-8b6743cd48e0" providerId="AD" clId="Web-{11137D27-EF7D-E97C-34FC-B05B2C5669B0}" dt="2019-06-03T15:26:02.607" v="296" actId="20577"/>
-          <ac:spMkLst>
-            <pc:docMk/>
-            <pc:sldMk cId="212228772" sldId="269"/>
-            <ac:spMk id="6" creationId="{DE5D1C71-18E9-4786-9CBA-4890D7D01076}"/>
-          </ac:spMkLst>
-        </pc:spChg>
-      </pc:sldChg>
-    </pc:docChg>
-  </pc:docChgLst>
-  <pc:docChgLst>
-    <pc:chgData name="Sampson Abrahams" userId="cc1d688c-588a-4417-8239-25fe8058dfdb" providerId="ADAL" clId="{8A63BCB5-57A4-A041-B939-516126DA255B}"/>
-    <pc:docChg chg="undo custSel mod addSld modSld">
-      <pc:chgData name="Sampson Abrahams" userId="cc1d688c-588a-4417-8239-25fe8058dfdb" providerId="ADAL" clId="{8A63BCB5-57A4-A041-B939-516126DA255B}" dt="2019-06-04T03:57:18.219" v="219" actId="26606"/>
-      <pc:docMkLst>
-        <pc:docMk/>
-      </pc:docMkLst>
-      <pc:sldChg chg="modSp">
-        <pc:chgData name="Sampson Abrahams" userId="cc1d688c-588a-4417-8239-25fe8058dfdb" providerId="ADAL" clId="{8A63BCB5-57A4-A041-B939-516126DA255B}" dt="2019-06-02T20:38:40.023" v="18" actId="20577"/>
-        <pc:sldMkLst>
-          <pc:docMk/>
-          <pc:sldMk cId="1592441267" sldId="256"/>
-        </pc:sldMkLst>
-        <pc:spChg chg="mod">
-          <ac:chgData name="Sampson Abrahams" userId="cc1d688c-588a-4417-8239-25fe8058dfdb" providerId="ADAL" clId="{8A63BCB5-57A4-A041-B939-516126DA255B}" dt="2019-06-02T20:38:40.023" v="18" actId="20577"/>
-          <ac:spMkLst>
-            <pc:docMk/>
-            <pc:sldMk cId="1592441267" sldId="256"/>
-            <ac:spMk id="2" creationId="{00000000-0000-0000-0000-000000000000}"/>
-          </ac:spMkLst>
-        </pc:spChg>
-      </pc:sldChg>
-      <pc:sldChg chg="addSp delSp modSp mod setBg modClrScheme chgLayout">
-        <pc:chgData name="Sampson Abrahams" userId="cc1d688c-588a-4417-8239-25fe8058dfdb" providerId="ADAL" clId="{8A63BCB5-57A4-A041-B939-516126DA255B}" dt="2019-06-04T03:18:10.318" v="67" actId="26606"/>
-        <pc:sldMkLst>
-          <pc:docMk/>
-          <pc:sldMk cId="480225811" sldId="257"/>
-        </pc:sldMkLst>
-        <pc:spChg chg="mod">
-          <ac:chgData name="Sampson Abrahams" userId="cc1d688c-588a-4417-8239-25fe8058dfdb" providerId="ADAL" clId="{8A63BCB5-57A4-A041-B939-516126DA255B}" dt="2019-06-04T03:18:10.318" v="67" actId="26606"/>
-          <ac:spMkLst>
-            <pc:docMk/>
-            <pc:sldMk cId="480225811" sldId="257"/>
-            <ac:spMk id="2" creationId="{00000000-0000-0000-0000-000000000000}"/>
-          </ac:spMkLst>
-        </pc:spChg>
-        <pc:spChg chg="mod">
-          <ac:chgData name="Sampson Abrahams" userId="cc1d688c-588a-4417-8239-25fe8058dfdb" providerId="ADAL" clId="{8A63BCB5-57A4-A041-B939-516126DA255B}" dt="2019-06-04T03:18:10.318" v="67" actId="26606"/>
-          <ac:spMkLst>
-            <pc:docMk/>
-            <pc:sldMk cId="480225811" sldId="257"/>
-            <ac:spMk id="3" creationId="{00000000-0000-0000-0000-000000000000}"/>
-          </ac:spMkLst>
-        </pc:spChg>
-        <pc:spChg chg="mod">
-          <ac:chgData name="Sampson Abrahams" userId="cc1d688c-588a-4417-8239-25fe8058dfdb" providerId="ADAL" clId="{8A63BCB5-57A4-A041-B939-516126DA255B}" dt="2019-06-04T03:18:10.318" v="67" actId="26606"/>
-          <ac:spMkLst>
-            <pc:docMk/>
-            <pc:sldMk cId="480225811" sldId="257"/>
-            <ac:spMk id="4" creationId="{00000000-0000-0000-0000-000000000000}"/>
-          </ac:spMkLst>
-        </pc:spChg>
-        <pc:spChg chg="del">
-          <ac:chgData name="Sampson Abrahams" userId="cc1d688c-588a-4417-8239-25fe8058dfdb" providerId="ADAL" clId="{8A63BCB5-57A4-A041-B939-516126DA255B}" dt="2019-06-04T03:18:10.318" v="67" actId="26606"/>
-          <ac:spMkLst>
-            <pc:docMk/>
-            <pc:sldMk cId="480225811" sldId="257"/>
-            <ac:spMk id="5" creationId="{00000000-0000-0000-0000-000000000000}"/>
-          </ac:spMkLst>
-        </pc:spChg>
-        <pc:spChg chg="mod ord">
-          <ac:chgData name="Sampson Abrahams" userId="cc1d688c-588a-4417-8239-25fe8058dfdb" providerId="ADAL" clId="{8A63BCB5-57A4-A041-B939-516126DA255B}" dt="2019-06-04T03:18:10.318" v="67" actId="26606"/>
-          <ac:spMkLst>
-            <pc:docMk/>
-            <pc:sldMk cId="480225811" sldId="257"/>
-            <ac:spMk id="8" creationId="{00000000-0000-0000-0000-000000000000}"/>
-          </ac:spMkLst>
-        </pc:spChg>
-        <pc:spChg chg="add mod">
-          <ac:chgData name="Sampson Abrahams" userId="cc1d688c-588a-4417-8239-25fe8058dfdb" providerId="ADAL" clId="{8A63BCB5-57A4-A041-B939-516126DA255B}" dt="2019-06-04T03:18:10.318" v="67" actId="26606"/>
-          <ac:spMkLst>
-            <pc:docMk/>
-            <pc:sldMk cId="480225811" sldId="257"/>
-            <ac:spMk id="13" creationId="{A017C776-DB44-4A38-8F28-55D0AF65C7A6}"/>
-          </ac:spMkLst>
-        </pc:spChg>
-      </pc:sldChg>
-      <pc:sldChg chg="addSp delSp modSp mod setBg modClrScheme chgLayout">
-        <pc:chgData name="Sampson Abrahams" userId="cc1d688c-588a-4417-8239-25fe8058dfdb" providerId="ADAL" clId="{8A63BCB5-57A4-A041-B939-516126DA255B}" dt="2019-06-04T03:15:08.124" v="42" actId="26606"/>
-        <pc:sldMkLst>
-          <pc:docMk/>
-          <pc:sldMk cId="2226160909" sldId="259"/>
-        </pc:sldMkLst>
-        <pc:spChg chg="mod">
-          <ac:chgData name="Sampson Abrahams" userId="cc1d688c-588a-4417-8239-25fe8058dfdb" providerId="ADAL" clId="{8A63BCB5-57A4-A041-B939-516126DA255B}" dt="2019-06-04T03:15:08.124" v="42" actId="26606"/>
-          <ac:spMkLst>
-            <pc:docMk/>
-            <pc:sldMk cId="2226160909" sldId="259"/>
-            <ac:spMk id="2" creationId="{00000000-0000-0000-0000-000000000000}"/>
-          </ac:spMkLst>
-        </pc:spChg>
-        <pc:spChg chg="mod">
-          <ac:chgData name="Sampson Abrahams" userId="cc1d688c-588a-4417-8239-25fe8058dfdb" providerId="ADAL" clId="{8A63BCB5-57A4-A041-B939-516126DA255B}" dt="2019-06-04T03:15:08.124" v="42" actId="26606"/>
-          <ac:spMkLst>
-            <pc:docMk/>
-            <pc:sldMk cId="2226160909" sldId="259"/>
-            <ac:spMk id="3" creationId="{00000000-0000-0000-0000-000000000000}"/>
-          </ac:spMkLst>
-        </pc:spChg>
-        <pc:spChg chg="mod">
-          <ac:chgData name="Sampson Abrahams" userId="cc1d688c-588a-4417-8239-25fe8058dfdb" providerId="ADAL" clId="{8A63BCB5-57A4-A041-B939-516126DA255B}" dt="2019-06-04T03:15:08.124" v="42" actId="26606"/>
-          <ac:spMkLst>
-            <pc:docMk/>
-            <pc:sldMk cId="2226160909" sldId="259"/>
-            <ac:spMk id="4" creationId="{00000000-0000-0000-0000-000000000000}"/>
-          </ac:spMkLst>
-        </pc:spChg>
-        <pc:spChg chg="add del">
-          <ac:chgData name="Sampson Abrahams" userId="cc1d688c-588a-4417-8239-25fe8058dfdb" providerId="ADAL" clId="{8A63BCB5-57A4-A041-B939-516126DA255B}" dt="2019-06-04T03:15:08.124" v="42" actId="26606"/>
-          <ac:spMkLst>
-            <pc:docMk/>
-            <pc:sldMk cId="2226160909" sldId="259"/>
-            <ac:spMk id="5" creationId="{00000000-0000-0000-0000-000000000000}"/>
-          </ac:spMkLst>
-        </pc:spChg>
-        <pc:spChg chg="mod ord">
-          <ac:chgData name="Sampson Abrahams" userId="cc1d688c-588a-4417-8239-25fe8058dfdb" providerId="ADAL" clId="{8A63BCB5-57A4-A041-B939-516126DA255B}" dt="2019-06-04T03:15:08.124" v="42" actId="26606"/>
-          <ac:spMkLst>
-            <pc:docMk/>
-            <pc:sldMk cId="2226160909" sldId="259"/>
-            <ac:spMk id="7" creationId="{806229ED-D5BE-4237-BDB6-52C904209AA6}"/>
-          </ac:spMkLst>
-        </pc:spChg>
-        <pc:spChg chg="add mod">
-          <ac:chgData name="Sampson Abrahams" userId="cc1d688c-588a-4417-8239-25fe8058dfdb" providerId="ADAL" clId="{8A63BCB5-57A4-A041-B939-516126DA255B}" dt="2019-06-04T03:15:08.124" v="42" actId="26606"/>
-          <ac:spMkLst>
-            <pc:docMk/>
-            <pc:sldMk cId="2226160909" sldId="259"/>
-            <ac:spMk id="9" creationId="{8188EC9D-2C53-48C9-AF8A-A69CA3509A24}"/>
-          </ac:spMkLst>
-        </pc:spChg>
-        <pc:spChg chg="add del mod">
-          <ac:chgData name="Sampson Abrahams" userId="cc1d688c-588a-4417-8239-25fe8058dfdb" providerId="ADAL" clId="{8A63BCB5-57A4-A041-B939-516126DA255B}" dt="2019-06-04T03:14:31.603" v="39" actId="26606"/>
-          <ac:spMkLst>
-            <pc:docMk/>
-            <pc:sldMk cId="2226160909" sldId="259"/>
-            <ac:spMk id="12" creationId="{5CC958AB-084F-4E04-A527-A5D793477FE9}"/>
-          </ac:spMkLst>
-        </pc:spChg>
-      </pc:sldChg>
-      <pc:sldChg chg="addSp delSp modSp mod setBg modClrScheme chgLayout">
-        <pc:chgData name="Sampson Abrahams" userId="cc1d688c-588a-4417-8239-25fe8058dfdb" providerId="ADAL" clId="{8A63BCB5-57A4-A041-B939-516126DA255B}" dt="2019-06-04T03:14:44.298" v="41" actId="26606"/>
-        <pc:sldMkLst>
-          <pc:docMk/>
-          <pc:sldMk cId="830407880" sldId="260"/>
-        </pc:sldMkLst>
-        <pc:spChg chg="mod">
-          <ac:chgData name="Sampson Abrahams" userId="cc1d688c-588a-4417-8239-25fe8058dfdb" providerId="ADAL" clId="{8A63BCB5-57A4-A041-B939-516126DA255B}" dt="2019-06-04T03:14:44.298" v="41" actId="26606"/>
-          <ac:spMkLst>
-            <pc:docMk/>
-            <pc:sldMk cId="830407880" sldId="260"/>
-            <ac:spMk id="2" creationId="{00000000-0000-0000-0000-000000000000}"/>
-          </ac:spMkLst>
-        </pc:spChg>
-        <pc:spChg chg="mod">
-          <ac:chgData name="Sampson Abrahams" userId="cc1d688c-588a-4417-8239-25fe8058dfdb" providerId="ADAL" clId="{8A63BCB5-57A4-A041-B939-516126DA255B}" dt="2019-06-04T03:14:44.298" v="41" actId="26606"/>
-          <ac:spMkLst>
-            <pc:docMk/>
-            <pc:sldMk cId="830407880" sldId="260"/>
-            <ac:spMk id="3" creationId="{00000000-0000-0000-0000-000000000000}"/>
-          </ac:spMkLst>
-        </pc:spChg>
-        <pc:spChg chg="mod">
-          <ac:chgData name="Sampson Abrahams" userId="cc1d688c-588a-4417-8239-25fe8058dfdb" providerId="ADAL" clId="{8A63BCB5-57A4-A041-B939-516126DA255B}" dt="2019-06-04T03:14:44.298" v="41" actId="26606"/>
-          <ac:spMkLst>
-            <pc:docMk/>
-            <pc:sldMk cId="830407880" sldId="260"/>
-            <ac:spMk id="4" creationId="{00000000-0000-0000-0000-000000000000}"/>
-          </ac:spMkLst>
-        </pc:spChg>
-        <pc:spChg chg="del">
-          <ac:chgData name="Sampson Abrahams" userId="cc1d688c-588a-4417-8239-25fe8058dfdb" providerId="ADAL" clId="{8A63BCB5-57A4-A041-B939-516126DA255B}" dt="2019-06-04T03:14:44.298" v="41" actId="26606"/>
-          <ac:spMkLst>
-            <pc:docMk/>
-            <pc:sldMk cId="830407880" sldId="260"/>
-            <ac:spMk id="5" creationId="{00000000-0000-0000-0000-000000000000}"/>
-          </ac:spMkLst>
-        </pc:spChg>
-        <pc:spChg chg="add del mod">
-          <ac:chgData name="Sampson Abrahams" userId="cc1d688c-588a-4417-8239-25fe8058dfdb" providerId="ADAL" clId="{8A63BCB5-57A4-A041-B939-516126DA255B}" dt="2019-06-04T03:13:46.785" v="35" actId="767"/>
-          <ac:spMkLst>
-            <pc:docMk/>
-            <pc:sldMk cId="830407880" sldId="260"/>
-            <ac:spMk id="6" creationId="{A560FCD0-A90F-9A45-AFE8-7EA5E3127BAB}"/>
-          </ac:spMkLst>
-        </pc:spChg>
-        <pc:spChg chg="add mod ord">
-          <ac:chgData name="Sampson Abrahams" userId="cc1d688c-588a-4417-8239-25fe8058dfdb" providerId="ADAL" clId="{8A63BCB5-57A4-A041-B939-516126DA255B}" dt="2019-06-04T03:14:44.298" v="41" actId="26606"/>
-          <ac:spMkLst>
-            <pc:docMk/>
-            <pc:sldMk cId="830407880" sldId="260"/>
-            <ac:spMk id="7" creationId="{2C784E43-C84D-D842-BF68-6C450243F030}"/>
-          </ac:spMkLst>
-        </pc:spChg>
-        <pc:spChg chg="add mod">
-          <ac:chgData name="Sampson Abrahams" userId="cc1d688c-588a-4417-8239-25fe8058dfdb" providerId="ADAL" clId="{8A63BCB5-57A4-A041-B939-516126DA255B}" dt="2019-06-04T03:14:44.298" v="41" actId="26606"/>
-          <ac:spMkLst>
-            <pc:docMk/>
-            <pc:sldMk cId="830407880" sldId="260"/>
-            <ac:spMk id="12" creationId="{6747076A-9743-4608-9BCB-C1C86D14A93A}"/>
-          </ac:spMkLst>
-        </pc:spChg>
-      </pc:sldChg>
-      <pc:sldChg chg="addSp delSp modSp mod setBg modClrScheme chgLayout">
-        <pc:chgData name="Sampson Abrahams" userId="cc1d688c-588a-4417-8239-25fe8058dfdb" providerId="ADAL" clId="{8A63BCB5-57A4-A041-B939-516126DA255B}" dt="2019-06-04T03:15:42.343" v="48" actId="12"/>
-        <pc:sldMkLst>
-          <pc:docMk/>
-          <pc:sldMk cId="374164396" sldId="261"/>
-        </pc:sldMkLst>
-        <pc:spChg chg="mod">
-          <ac:chgData name="Sampson Abrahams" userId="cc1d688c-588a-4417-8239-25fe8058dfdb" providerId="ADAL" clId="{8A63BCB5-57A4-A041-B939-516126DA255B}" dt="2019-06-04T03:15:32.401" v="45" actId="26606"/>
-          <ac:spMkLst>
-            <pc:docMk/>
-            <pc:sldMk cId="374164396" sldId="261"/>
-            <ac:spMk id="2" creationId="{00000000-0000-0000-0000-000000000000}"/>
-          </ac:spMkLst>
-        </pc:spChg>
-        <pc:spChg chg="mod">
-          <ac:chgData name="Sampson Abrahams" userId="cc1d688c-588a-4417-8239-25fe8058dfdb" providerId="ADAL" clId="{8A63BCB5-57A4-A041-B939-516126DA255B}" dt="2019-06-04T03:15:32.401" v="45" actId="26606"/>
-          <ac:spMkLst>
-            <pc:docMk/>
-            <pc:sldMk cId="374164396" sldId="261"/>
-            <ac:spMk id="3" creationId="{00000000-0000-0000-0000-000000000000}"/>
-          </ac:spMkLst>
-        </pc:spChg>
-        <pc:spChg chg="mod">
-          <ac:chgData name="Sampson Abrahams" userId="cc1d688c-588a-4417-8239-25fe8058dfdb" providerId="ADAL" clId="{8A63BCB5-57A4-A041-B939-516126DA255B}" dt="2019-06-04T03:15:32.401" v="45" actId="26606"/>
-          <ac:spMkLst>
-            <pc:docMk/>
-            <pc:sldMk cId="374164396" sldId="261"/>
-            <ac:spMk id="4" creationId="{00000000-0000-0000-0000-000000000000}"/>
-          </ac:spMkLst>
-        </pc:spChg>
-        <pc:spChg chg="del">
-          <ac:chgData name="Sampson Abrahams" userId="cc1d688c-588a-4417-8239-25fe8058dfdb" providerId="ADAL" clId="{8A63BCB5-57A4-A041-B939-516126DA255B}" dt="2019-06-04T03:15:32.401" v="45" actId="26606"/>
-          <ac:spMkLst>
-            <pc:docMk/>
-            <pc:sldMk cId="374164396" sldId="261"/>
-            <ac:spMk id="5" creationId="{00000000-0000-0000-0000-000000000000}"/>
-          </ac:spMkLst>
-        </pc:spChg>
-        <pc:spChg chg="add mod ord">
-          <ac:chgData name="Sampson Abrahams" userId="cc1d688c-588a-4417-8239-25fe8058dfdb" providerId="ADAL" clId="{8A63BCB5-57A4-A041-B939-516126DA255B}" dt="2019-06-04T03:15:42.343" v="48" actId="12"/>
-          <ac:spMkLst>
-            <pc:docMk/>
-            <pc:sldMk cId="374164396" sldId="261"/>
-            <ac:spMk id="6" creationId="{458787ED-78BB-C842-BDE3-9DD8893A0EFA}"/>
-          </ac:spMkLst>
-        </pc:spChg>
-        <pc:spChg chg="add mod">
-          <ac:chgData name="Sampson Abrahams" userId="cc1d688c-588a-4417-8239-25fe8058dfdb" providerId="ADAL" clId="{8A63BCB5-57A4-A041-B939-516126DA255B}" dt="2019-06-04T03:15:32.401" v="45" actId="26606"/>
-          <ac:spMkLst>
-            <pc:docMk/>
-            <pc:sldMk cId="374164396" sldId="261"/>
-            <ac:spMk id="11" creationId="{47037839-61BB-48B4-81A7-77E453A2CD53}"/>
-          </ac:spMkLst>
-        </pc:spChg>
-      </pc:sldChg>
-      <pc:sldChg chg="addSp delSp modSp mod setBg modClrScheme chgLayout">
-        <pc:chgData name="Sampson Abrahams" userId="cc1d688c-588a-4417-8239-25fe8058dfdb" providerId="ADAL" clId="{8A63BCB5-57A4-A041-B939-516126DA255B}" dt="2019-06-04T03:16:28.755" v="53" actId="26606"/>
-        <pc:sldMkLst>
-          <pc:docMk/>
-          <pc:sldMk cId="249076005" sldId="262"/>
-        </pc:sldMkLst>
-        <pc:spChg chg="mod">
-          <ac:chgData name="Sampson Abrahams" userId="cc1d688c-588a-4417-8239-25fe8058dfdb" providerId="ADAL" clId="{8A63BCB5-57A4-A041-B939-516126DA255B}" dt="2019-06-04T03:16:28.755" v="53" actId="26606"/>
-          <ac:spMkLst>
-            <pc:docMk/>
-            <pc:sldMk cId="249076005" sldId="262"/>
-            <ac:spMk id="2" creationId="{00000000-0000-0000-0000-000000000000}"/>
-          </ac:spMkLst>
-        </pc:spChg>
-        <pc:spChg chg="mod">
-          <ac:chgData name="Sampson Abrahams" userId="cc1d688c-588a-4417-8239-25fe8058dfdb" providerId="ADAL" clId="{8A63BCB5-57A4-A041-B939-516126DA255B}" dt="2019-06-04T03:16:28.755" v="53" actId="26606"/>
-          <ac:spMkLst>
-            <pc:docMk/>
-            <pc:sldMk cId="249076005" sldId="262"/>
-            <ac:spMk id="3" creationId="{00000000-0000-0000-0000-000000000000}"/>
-          </ac:spMkLst>
-        </pc:spChg>
-        <pc:spChg chg="mod">
-          <ac:chgData name="Sampson Abrahams" userId="cc1d688c-588a-4417-8239-25fe8058dfdb" providerId="ADAL" clId="{8A63BCB5-57A4-A041-B939-516126DA255B}" dt="2019-06-04T03:16:28.755" v="53" actId="26606"/>
-          <ac:spMkLst>
-            <pc:docMk/>
-            <pc:sldMk cId="249076005" sldId="262"/>
-            <ac:spMk id="4" creationId="{00000000-0000-0000-0000-000000000000}"/>
-          </ac:spMkLst>
-        </pc:spChg>
-        <pc:spChg chg="del">
-          <ac:chgData name="Sampson Abrahams" userId="cc1d688c-588a-4417-8239-25fe8058dfdb" providerId="ADAL" clId="{8A63BCB5-57A4-A041-B939-516126DA255B}" dt="2019-06-04T03:16:28.755" v="53" actId="26606"/>
-          <ac:spMkLst>
-            <pc:docMk/>
-            <pc:sldMk cId="249076005" sldId="262"/>
-            <ac:spMk id="5" creationId="{00000000-0000-0000-0000-000000000000}"/>
-          </ac:spMkLst>
-        </pc:spChg>
-        <pc:spChg chg="add mod ord">
-          <ac:chgData name="Sampson Abrahams" userId="cc1d688c-588a-4417-8239-25fe8058dfdb" providerId="ADAL" clId="{8A63BCB5-57A4-A041-B939-516126DA255B}" dt="2019-06-04T03:16:28.755" v="53" actId="26606"/>
-          <ac:spMkLst>
-            <pc:docMk/>
-            <pc:sldMk cId="249076005" sldId="262"/>
-            <ac:spMk id="6" creationId="{6C598235-7528-DB47-B46E-947165F54926}"/>
-          </ac:spMkLst>
-        </pc:spChg>
-        <pc:spChg chg="add mod">
-          <ac:chgData name="Sampson Abrahams" userId="cc1d688c-588a-4417-8239-25fe8058dfdb" providerId="ADAL" clId="{8A63BCB5-57A4-A041-B939-516126DA255B}" dt="2019-06-04T03:16:28.755" v="53" actId="26606"/>
-          <ac:spMkLst>
-            <pc:docMk/>
-            <pc:sldMk cId="249076005" sldId="262"/>
-            <ac:spMk id="11" creationId="{26A4E456-4037-4554-8D8F-5723E1A967B2}"/>
-          </ac:spMkLst>
-        </pc:spChg>
-      </pc:sldChg>
-      <pc:sldChg chg="addSp delSp modSp mod setBg modClrScheme chgLayout">
-        <pc:chgData name="Sampson Abrahams" userId="cc1d688c-588a-4417-8239-25fe8058dfdb" providerId="ADAL" clId="{8A63BCB5-57A4-A041-B939-516126DA255B}" dt="2019-06-04T03:17:22.158" v="61" actId="26606"/>
-        <pc:sldMkLst>
-          <pc:docMk/>
-          <pc:sldMk cId="1145965259" sldId="263"/>
-        </pc:sldMkLst>
-        <pc:spChg chg="mod">
-          <ac:chgData name="Sampson Abrahams" userId="cc1d688c-588a-4417-8239-25fe8058dfdb" providerId="ADAL" clId="{8A63BCB5-57A4-A041-B939-516126DA255B}" dt="2019-06-04T03:17:22.158" v="61" actId="26606"/>
-          <ac:spMkLst>
-            <pc:docMk/>
-            <pc:sldMk cId="1145965259" sldId="263"/>
-            <ac:spMk id="2" creationId="{00000000-0000-0000-0000-000000000000}"/>
-          </ac:spMkLst>
-        </pc:spChg>
-        <pc:spChg chg="mod">
-          <ac:chgData name="Sampson Abrahams" userId="cc1d688c-588a-4417-8239-25fe8058dfdb" providerId="ADAL" clId="{8A63BCB5-57A4-A041-B939-516126DA255B}" dt="2019-06-04T03:17:22.158" v="61" actId="26606"/>
-          <ac:spMkLst>
-            <pc:docMk/>
-            <pc:sldMk cId="1145965259" sldId="263"/>
-            <ac:spMk id="3" creationId="{00000000-0000-0000-0000-000000000000}"/>
-          </ac:spMkLst>
-        </pc:spChg>
-        <pc:spChg chg="mod">
-          <ac:chgData name="Sampson Abrahams" userId="cc1d688c-588a-4417-8239-25fe8058dfdb" providerId="ADAL" clId="{8A63BCB5-57A4-A041-B939-516126DA255B}" dt="2019-06-04T03:17:22.158" v="61" actId="26606"/>
-          <ac:spMkLst>
-            <pc:docMk/>
-            <pc:sldMk cId="1145965259" sldId="263"/>
-            <ac:spMk id="4" creationId="{00000000-0000-0000-0000-000000000000}"/>
-          </ac:spMkLst>
-        </pc:spChg>
-        <pc:spChg chg="del">
-          <ac:chgData name="Sampson Abrahams" userId="cc1d688c-588a-4417-8239-25fe8058dfdb" providerId="ADAL" clId="{8A63BCB5-57A4-A041-B939-516126DA255B}" dt="2019-06-04T03:17:22.158" v="61" actId="26606"/>
-          <ac:spMkLst>
-            <pc:docMk/>
-            <pc:sldMk cId="1145965259" sldId="263"/>
-            <ac:spMk id="5" creationId="{00000000-0000-0000-0000-000000000000}"/>
-          </ac:spMkLst>
-        </pc:spChg>
-        <pc:spChg chg="add mod ord">
-          <ac:chgData name="Sampson Abrahams" userId="cc1d688c-588a-4417-8239-25fe8058dfdb" providerId="ADAL" clId="{8A63BCB5-57A4-A041-B939-516126DA255B}" dt="2019-06-04T03:17:22.158" v="61" actId="26606"/>
-          <ac:spMkLst>
-            <pc:docMk/>
-            <pc:sldMk cId="1145965259" sldId="263"/>
-            <ac:spMk id="6" creationId="{7F19825E-38B5-6246-B3C7-2D2197D3D515}"/>
-          </ac:spMkLst>
-        </pc:spChg>
-        <pc:spChg chg="add mod">
-          <ac:chgData name="Sampson Abrahams" userId="cc1d688c-588a-4417-8239-25fe8058dfdb" providerId="ADAL" clId="{8A63BCB5-57A4-A041-B939-516126DA255B}" dt="2019-06-04T03:17:22.158" v="61" actId="26606"/>
-          <ac:spMkLst>
-            <pc:docMk/>
-            <pc:sldMk cId="1145965259" sldId="263"/>
-            <ac:spMk id="11" creationId="{0881F43B-0D43-4506-A0E0-D671B19C1F94}"/>
-          </ac:spMkLst>
-        </pc:spChg>
-      </pc:sldChg>
-      <pc:sldChg chg="addSp delSp modSp mod setBg modClrScheme chgLayout">
-        <pc:chgData name="Sampson Abrahams" userId="cc1d688c-588a-4417-8239-25fe8058dfdb" providerId="ADAL" clId="{8A63BCB5-57A4-A041-B939-516126DA255B}" dt="2019-06-04T03:17:01.676" v="57" actId="20577"/>
-        <pc:sldMkLst>
-          <pc:docMk/>
-          <pc:sldMk cId="3092495496" sldId="264"/>
-        </pc:sldMkLst>
-        <pc:spChg chg="mod">
-          <ac:chgData name="Sampson Abrahams" userId="cc1d688c-588a-4417-8239-25fe8058dfdb" providerId="ADAL" clId="{8A63BCB5-57A4-A041-B939-516126DA255B}" dt="2019-06-04T03:16:57.909" v="56" actId="26606"/>
-          <ac:spMkLst>
-            <pc:docMk/>
-            <pc:sldMk cId="3092495496" sldId="264"/>
-            <ac:spMk id="2" creationId="{00000000-0000-0000-0000-000000000000}"/>
-          </ac:spMkLst>
-        </pc:spChg>
-        <pc:spChg chg="mod">
-          <ac:chgData name="Sampson Abrahams" userId="cc1d688c-588a-4417-8239-25fe8058dfdb" providerId="ADAL" clId="{8A63BCB5-57A4-A041-B939-516126DA255B}" dt="2019-06-04T03:16:57.909" v="56" actId="26606"/>
-          <ac:spMkLst>
-            <pc:docMk/>
-            <pc:sldMk cId="3092495496" sldId="264"/>
-            <ac:spMk id="3" creationId="{00000000-0000-0000-0000-000000000000}"/>
-          </ac:spMkLst>
-        </pc:spChg>
-        <pc:spChg chg="mod">
-          <ac:chgData name="Sampson Abrahams" userId="cc1d688c-588a-4417-8239-25fe8058dfdb" providerId="ADAL" clId="{8A63BCB5-57A4-A041-B939-516126DA255B}" dt="2019-06-04T03:16:57.909" v="56" actId="26606"/>
-          <ac:spMkLst>
-            <pc:docMk/>
-            <pc:sldMk cId="3092495496" sldId="264"/>
-            <ac:spMk id="4" creationId="{00000000-0000-0000-0000-000000000000}"/>
-          </ac:spMkLst>
-        </pc:spChg>
-        <pc:spChg chg="del">
-          <ac:chgData name="Sampson Abrahams" userId="cc1d688c-588a-4417-8239-25fe8058dfdb" providerId="ADAL" clId="{8A63BCB5-57A4-A041-B939-516126DA255B}" dt="2019-06-04T03:16:57.909" v="56" actId="26606"/>
-          <ac:spMkLst>
-            <pc:docMk/>
-            <pc:sldMk cId="3092495496" sldId="264"/>
-            <ac:spMk id="5" creationId="{00000000-0000-0000-0000-000000000000}"/>
-          </ac:spMkLst>
-        </pc:spChg>
-        <pc:spChg chg="add mod ord">
-          <ac:chgData name="Sampson Abrahams" userId="cc1d688c-588a-4417-8239-25fe8058dfdb" providerId="ADAL" clId="{8A63BCB5-57A4-A041-B939-516126DA255B}" dt="2019-06-04T03:17:01.676" v="57" actId="20577"/>
-          <ac:spMkLst>
-            <pc:docMk/>
-            <pc:sldMk cId="3092495496" sldId="264"/>
-            <ac:spMk id="6" creationId="{60E6372A-AC0B-7944-82C9-0597476FB5FA}"/>
-          </ac:spMkLst>
-        </pc:spChg>
-        <pc:spChg chg="add mod">
-          <ac:chgData name="Sampson Abrahams" userId="cc1d688c-588a-4417-8239-25fe8058dfdb" providerId="ADAL" clId="{8A63BCB5-57A4-A041-B939-516126DA255B}" dt="2019-06-04T03:16:57.909" v="56" actId="26606"/>
-          <ac:spMkLst>
-            <pc:docMk/>
-            <pc:sldMk cId="3092495496" sldId="264"/>
-            <ac:spMk id="11" creationId="{3D85E70E-A876-4CE5-874E-F6AB8CE2B1F3}"/>
-          </ac:spMkLst>
-        </pc:spChg>
-      </pc:sldChg>
-      <pc:sldChg chg="addSp delSp modSp mod setBg modClrScheme chgLayout">
-        <pc:chgData name="Sampson Abrahams" userId="cc1d688c-588a-4417-8239-25fe8058dfdb" providerId="ADAL" clId="{8A63BCB5-57A4-A041-B939-516126DA255B}" dt="2019-06-04T03:17:47.667" v="65" actId="26606"/>
-        <pc:sldMkLst>
-          <pc:docMk/>
-          <pc:sldMk cId="2545147960" sldId="265"/>
-        </pc:sldMkLst>
-        <pc:spChg chg="mod">
-          <ac:chgData name="Sampson Abrahams" userId="cc1d688c-588a-4417-8239-25fe8058dfdb" providerId="ADAL" clId="{8A63BCB5-57A4-A041-B939-516126DA255B}" dt="2019-06-04T03:17:47.667" v="65" actId="26606"/>
-          <ac:spMkLst>
-            <pc:docMk/>
-            <pc:sldMk cId="2545147960" sldId="265"/>
-            <ac:spMk id="2" creationId="{00000000-0000-0000-0000-000000000000}"/>
-          </ac:spMkLst>
-        </pc:spChg>
-        <pc:spChg chg="mod">
-          <ac:chgData name="Sampson Abrahams" userId="cc1d688c-588a-4417-8239-25fe8058dfdb" providerId="ADAL" clId="{8A63BCB5-57A4-A041-B939-516126DA255B}" dt="2019-06-04T03:17:47.667" v="65" actId="26606"/>
-          <ac:spMkLst>
-            <pc:docMk/>
-            <pc:sldMk cId="2545147960" sldId="265"/>
-            <ac:spMk id="3" creationId="{00000000-0000-0000-0000-000000000000}"/>
-          </ac:spMkLst>
-        </pc:spChg>
-        <pc:spChg chg="mod">
-          <ac:chgData name="Sampson Abrahams" userId="cc1d688c-588a-4417-8239-25fe8058dfdb" providerId="ADAL" clId="{8A63BCB5-57A4-A041-B939-516126DA255B}" dt="2019-06-04T03:17:47.667" v="65" actId="26606"/>
-          <ac:spMkLst>
-            <pc:docMk/>
-            <pc:sldMk cId="2545147960" sldId="265"/>
-            <ac:spMk id="4" creationId="{00000000-0000-0000-0000-000000000000}"/>
-          </ac:spMkLst>
-        </pc:spChg>
-        <pc:spChg chg="del">
-          <ac:chgData name="Sampson Abrahams" userId="cc1d688c-588a-4417-8239-25fe8058dfdb" providerId="ADAL" clId="{8A63BCB5-57A4-A041-B939-516126DA255B}" dt="2019-06-04T03:17:47.667" v="65" actId="26606"/>
-          <ac:spMkLst>
-            <pc:docMk/>
-            <pc:sldMk cId="2545147960" sldId="265"/>
-            <ac:spMk id="5" creationId="{00000000-0000-0000-0000-000000000000}"/>
-          </ac:spMkLst>
-        </pc:spChg>
-        <pc:spChg chg="add mod ord">
-          <ac:chgData name="Sampson Abrahams" userId="cc1d688c-588a-4417-8239-25fe8058dfdb" providerId="ADAL" clId="{8A63BCB5-57A4-A041-B939-516126DA255B}" dt="2019-06-04T03:17:47.667" v="65" actId="26606"/>
-          <ac:spMkLst>
-            <pc:docMk/>
-            <pc:sldMk cId="2545147960" sldId="265"/>
-            <ac:spMk id="6" creationId="{FBAB3760-ABE0-5F49-89E9-C51E6FB0E088}"/>
-          </ac:spMkLst>
-        </pc:spChg>
-        <pc:spChg chg="add mod">
-          <ac:chgData name="Sampson Abrahams" userId="cc1d688c-588a-4417-8239-25fe8058dfdb" providerId="ADAL" clId="{8A63BCB5-57A4-A041-B939-516126DA255B}" dt="2019-06-04T03:17:47.667" v="65" actId="26606"/>
-          <ac:spMkLst>
-            <pc:docMk/>
-            <pc:sldMk cId="2545147960" sldId="265"/>
-            <ac:spMk id="11" creationId="{487BFCC6-05EE-4052-895B-5ADC46DACFF7}"/>
-          </ac:spMkLst>
-        </pc:spChg>
-      </pc:sldChg>
-      <pc:sldChg chg="addSp delSp modSp mod setBg modClrScheme chgLayout">
-        <pc:chgData name="Sampson Abrahams" userId="cc1d688c-588a-4417-8239-25fe8058dfdb" providerId="ADAL" clId="{8A63BCB5-57A4-A041-B939-516126DA255B}" dt="2019-06-04T03:56:30.368" v="214" actId="20577"/>
-        <pc:sldMkLst>
-          <pc:docMk/>
-          <pc:sldMk cId="2590791432" sldId="266"/>
-        </pc:sldMkLst>
-        <pc:spChg chg="mod">
-          <ac:chgData name="Sampson Abrahams" userId="cc1d688c-588a-4417-8239-25fe8058dfdb" providerId="ADAL" clId="{8A63BCB5-57A4-A041-B939-516126DA255B}" dt="2019-06-04T03:53:07.881" v="137" actId="26606"/>
-          <ac:spMkLst>
-            <pc:docMk/>
-            <pc:sldMk cId="2590791432" sldId="266"/>
-            <ac:spMk id="2" creationId="{00000000-0000-0000-0000-000000000000}"/>
-          </ac:spMkLst>
-        </pc:spChg>
-        <pc:spChg chg="mod">
-          <ac:chgData name="Sampson Abrahams" userId="cc1d688c-588a-4417-8239-25fe8058dfdb" providerId="ADAL" clId="{8A63BCB5-57A4-A041-B939-516126DA255B}" dt="2019-06-04T03:53:07.881" v="137" actId="26606"/>
-          <ac:spMkLst>
-            <pc:docMk/>
-            <pc:sldMk cId="2590791432" sldId="266"/>
-            <ac:spMk id="3" creationId="{00000000-0000-0000-0000-000000000000}"/>
-          </ac:spMkLst>
-        </pc:spChg>
-        <pc:spChg chg="mod">
-          <ac:chgData name="Sampson Abrahams" userId="cc1d688c-588a-4417-8239-25fe8058dfdb" providerId="ADAL" clId="{8A63BCB5-57A4-A041-B939-516126DA255B}" dt="2019-06-04T03:53:07.881" v="137" actId="26606"/>
-          <ac:spMkLst>
-            <pc:docMk/>
-            <pc:sldMk cId="2590791432" sldId="266"/>
-            <ac:spMk id="4" creationId="{00000000-0000-0000-0000-000000000000}"/>
-          </ac:spMkLst>
-        </pc:spChg>
-        <pc:spChg chg="del">
-          <ac:chgData name="Sampson Abrahams" userId="cc1d688c-588a-4417-8239-25fe8058dfdb" providerId="ADAL" clId="{8A63BCB5-57A4-A041-B939-516126DA255B}" dt="2019-06-04T03:53:07.881" v="137" actId="26606"/>
-          <ac:spMkLst>
-            <pc:docMk/>
-            <pc:sldMk cId="2590791432" sldId="266"/>
-            <ac:spMk id="5" creationId="{00000000-0000-0000-0000-000000000000}"/>
-          </ac:spMkLst>
-        </pc:spChg>
-        <pc:spChg chg="add del mod ord">
-          <ac:chgData name="Sampson Abrahams" userId="cc1d688c-588a-4417-8239-25fe8058dfdb" providerId="ADAL" clId="{8A63BCB5-57A4-A041-B939-516126DA255B}" dt="2019-06-04T03:55:27.058" v="202" actId="478"/>
-          <ac:spMkLst>
-            <pc:docMk/>
-            <pc:sldMk cId="2590791432" sldId="266"/>
-            <ac:spMk id="6" creationId="{622FBC93-4471-874E-B8C3-C69E719715BC}"/>
-          </ac:spMkLst>
-        </pc:spChg>
-        <pc:spChg chg="add mod">
-          <ac:chgData name="Sampson Abrahams" userId="cc1d688c-588a-4417-8239-25fe8058dfdb" providerId="ADAL" clId="{8A63BCB5-57A4-A041-B939-516126DA255B}" dt="2019-06-04T03:56:30.368" v="214" actId="20577"/>
-          <ac:spMkLst>
-            <pc:docMk/>
-            <pc:sldMk cId="2590791432" sldId="266"/>
-            <ac:spMk id="8" creationId="{72361A48-B5C0-3C4D-A723-AB36262E9E3E}"/>
-          </ac:spMkLst>
-        </pc:spChg>
-        <pc:spChg chg="add mod">
-          <ac:chgData name="Sampson Abrahams" userId="cc1d688c-588a-4417-8239-25fe8058dfdb" providerId="ADAL" clId="{8A63BCB5-57A4-A041-B939-516126DA255B}" dt="2019-06-04T03:53:07.881" v="137" actId="26606"/>
-          <ac:spMkLst>
-            <pc:docMk/>
-            <pc:sldMk cId="2590791432" sldId="266"/>
-            <ac:spMk id="11" creationId="{758DD97C-AB75-4812-B542-79E89698C15F}"/>
-          </ac:spMkLst>
-        </pc:spChg>
-      </pc:sldChg>
-      <pc:sldChg chg="addSp delSp modSp mod setBg modClrScheme chgLayout">
-        <pc:chgData name="Sampson Abrahams" userId="cc1d688c-588a-4417-8239-25fe8058dfdb" providerId="ADAL" clId="{8A63BCB5-57A4-A041-B939-516126DA255B}" dt="2019-06-04T03:55:08.082" v="201" actId="20577"/>
-        <pc:sldMkLst>
-          <pc:docMk/>
-          <pc:sldMk cId="2775687931" sldId="267"/>
-        </pc:sldMkLst>
-        <pc:spChg chg="mod">
-          <ac:chgData name="Sampson Abrahams" userId="cc1d688c-588a-4417-8239-25fe8058dfdb" providerId="ADAL" clId="{8A63BCB5-57A4-A041-B939-516126DA255B}" dt="2019-06-04T03:53:43.602" v="147" actId="26606"/>
-          <ac:spMkLst>
-            <pc:docMk/>
-            <pc:sldMk cId="2775687931" sldId="267"/>
-            <ac:spMk id="2" creationId="{00000000-0000-0000-0000-000000000000}"/>
-          </ac:spMkLst>
-        </pc:spChg>
-        <pc:spChg chg="mod">
-          <ac:chgData name="Sampson Abrahams" userId="cc1d688c-588a-4417-8239-25fe8058dfdb" providerId="ADAL" clId="{8A63BCB5-57A4-A041-B939-516126DA255B}" dt="2019-06-04T03:53:43.602" v="147" actId="26606"/>
-          <ac:spMkLst>
-            <pc:docMk/>
-            <pc:sldMk cId="2775687931" sldId="267"/>
-            <ac:spMk id="3" creationId="{00000000-0000-0000-0000-000000000000}"/>
-          </ac:spMkLst>
-        </pc:spChg>
-        <pc:spChg chg="mod">
-          <ac:chgData name="Sampson Abrahams" userId="cc1d688c-588a-4417-8239-25fe8058dfdb" providerId="ADAL" clId="{8A63BCB5-57A4-A041-B939-516126DA255B}" dt="2019-06-04T03:53:43.602" v="147" actId="26606"/>
-          <ac:spMkLst>
-            <pc:docMk/>
-            <pc:sldMk cId="2775687931" sldId="267"/>
-            <ac:spMk id="4" creationId="{00000000-0000-0000-0000-000000000000}"/>
-          </ac:spMkLst>
-        </pc:spChg>
-        <pc:spChg chg="del">
-          <ac:chgData name="Sampson Abrahams" userId="cc1d688c-588a-4417-8239-25fe8058dfdb" providerId="ADAL" clId="{8A63BCB5-57A4-A041-B939-516126DA255B}" dt="2019-06-04T03:53:43.602" v="147" actId="26606"/>
-          <ac:spMkLst>
-            <pc:docMk/>
-            <pc:sldMk cId="2775687931" sldId="267"/>
-            <ac:spMk id="5" creationId="{00000000-0000-0000-0000-000000000000}"/>
-          </ac:spMkLst>
-        </pc:spChg>
-        <pc:spChg chg="add mod">
-          <ac:chgData name="Sampson Abrahams" userId="cc1d688c-588a-4417-8239-25fe8058dfdb" providerId="ADAL" clId="{8A63BCB5-57A4-A041-B939-516126DA255B}" dt="2019-06-04T03:55:08.082" v="201" actId="20577"/>
-          <ac:spMkLst>
-            <pc:docMk/>
-            <pc:sldMk cId="2775687931" sldId="267"/>
-            <ac:spMk id="10" creationId="{3324B254-9DE7-48EC-80C8-16321BB9E423}"/>
-          </ac:spMkLst>
-        </pc:spChg>
-        <pc:spChg chg="add mod">
-          <ac:chgData name="Sampson Abrahams" userId="cc1d688c-588a-4417-8239-25fe8058dfdb" providerId="ADAL" clId="{8A63BCB5-57A4-A041-B939-516126DA255B}" dt="2019-06-04T03:53:43.602" v="147" actId="26606"/>
-          <ac:spMkLst>
-            <pc:docMk/>
-            <pc:sldMk cId="2775687931" sldId="267"/>
-            <ac:spMk id="12" creationId="{C6E0D863-EA88-4068-A571-A0E82FF79517}"/>
-          </ac:spMkLst>
-        </pc:spChg>
-      </pc:sldChg>
-      <pc:sldChg chg="addSp delSp modSp mod setBg modClrScheme chgLayout">
-        <pc:chgData name="Sampson Abrahams" userId="cc1d688c-588a-4417-8239-25fe8058dfdb" providerId="ADAL" clId="{8A63BCB5-57A4-A041-B939-516126DA255B}" dt="2019-06-04T03:50:43.166" v="98" actId="26606"/>
-        <pc:sldMkLst>
-          <pc:docMk/>
-          <pc:sldMk cId="3524334684" sldId="268"/>
-        </pc:sldMkLst>
-        <pc:spChg chg="mod">
-          <ac:chgData name="Sampson Abrahams" userId="cc1d688c-588a-4417-8239-25fe8058dfdb" providerId="ADAL" clId="{8A63BCB5-57A4-A041-B939-516126DA255B}" dt="2019-06-04T03:50:43.166" v="98" actId="26606"/>
-          <ac:spMkLst>
-            <pc:docMk/>
-            <pc:sldMk cId="3524334684" sldId="268"/>
-            <ac:spMk id="2" creationId="{00000000-0000-0000-0000-000000000000}"/>
-          </ac:spMkLst>
-        </pc:spChg>
-        <pc:spChg chg="mod">
-          <ac:chgData name="Sampson Abrahams" userId="cc1d688c-588a-4417-8239-25fe8058dfdb" providerId="ADAL" clId="{8A63BCB5-57A4-A041-B939-516126DA255B}" dt="2019-06-04T03:50:43.166" v="98" actId="26606"/>
-          <ac:spMkLst>
-            <pc:docMk/>
-            <pc:sldMk cId="3524334684" sldId="268"/>
-            <ac:spMk id="3" creationId="{00000000-0000-0000-0000-000000000000}"/>
-          </ac:spMkLst>
-        </pc:spChg>
-        <pc:spChg chg="mod">
-          <ac:chgData name="Sampson Abrahams" userId="cc1d688c-588a-4417-8239-25fe8058dfdb" providerId="ADAL" clId="{8A63BCB5-57A4-A041-B939-516126DA255B}" dt="2019-06-04T03:50:43.166" v="98" actId="26606"/>
-          <ac:spMkLst>
-            <pc:docMk/>
-            <pc:sldMk cId="3524334684" sldId="268"/>
-            <ac:spMk id="4" creationId="{00000000-0000-0000-0000-000000000000}"/>
-          </ac:spMkLst>
-        </pc:spChg>
-        <pc:spChg chg="del">
-          <ac:chgData name="Sampson Abrahams" userId="cc1d688c-588a-4417-8239-25fe8058dfdb" providerId="ADAL" clId="{8A63BCB5-57A4-A041-B939-516126DA255B}" dt="2019-06-04T03:50:43.166" v="98" actId="26606"/>
-          <ac:spMkLst>
-            <pc:docMk/>
-            <pc:sldMk cId="3524334684" sldId="268"/>
-            <ac:spMk id="5" creationId="{00000000-0000-0000-0000-000000000000}"/>
-          </ac:spMkLst>
-        </pc:spChg>
-        <pc:spChg chg="add mod">
-          <ac:chgData name="Sampson Abrahams" userId="cc1d688c-588a-4417-8239-25fe8058dfdb" providerId="ADAL" clId="{8A63BCB5-57A4-A041-B939-516126DA255B}" dt="2019-06-04T03:50:43.166" v="98" actId="26606"/>
-          <ac:spMkLst>
-            <pc:docMk/>
-            <pc:sldMk cId="3524334684" sldId="268"/>
-            <ac:spMk id="14" creationId="{182FACD5-D6B6-4064-AC6C-B8B06780049B}"/>
-          </ac:spMkLst>
-        </pc:spChg>
-        <pc:picChg chg="add del mod">
-          <ac:chgData name="Sampson Abrahams" userId="cc1d688c-588a-4417-8239-25fe8058dfdb" providerId="ADAL" clId="{8A63BCB5-57A4-A041-B939-516126DA255B}" dt="2019-06-04T03:13:19.192" v="29" actId="478"/>
-          <ac:picMkLst>
-            <pc:docMk/>
-            <pc:sldMk cId="3524334684" sldId="268"/>
-            <ac:picMk id="7" creationId="{DD64A866-CDFC-1447-AA46-4E03407BAA9E}"/>
-          </ac:picMkLst>
-        </pc:picChg>
-        <pc:picChg chg="add mod ord">
-          <ac:chgData name="Sampson Abrahams" userId="cc1d688c-588a-4417-8239-25fe8058dfdb" providerId="ADAL" clId="{8A63BCB5-57A4-A041-B939-516126DA255B}" dt="2019-06-04T03:50:43.166" v="98" actId="26606"/>
-          <ac:picMkLst>
-            <pc:docMk/>
-            <pc:sldMk cId="3524334684" sldId="268"/>
-            <ac:picMk id="9" creationId="{3F75B1B1-D594-0144-8982-2FA1F9730F72}"/>
-          </ac:picMkLst>
-        </pc:picChg>
-      </pc:sldChg>
-      <pc:sldChg chg="addSp delSp modSp mod setBg modClrScheme chgLayout">
-        <pc:chgData name="Sampson Abrahams" userId="cc1d688c-588a-4417-8239-25fe8058dfdb" providerId="ADAL" clId="{8A63BCB5-57A4-A041-B939-516126DA255B}" dt="2019-06-04T03:18:01.344" v="66" actId="26606"/>
-        <pc:sldMkLst>
-          <pc:docMk/>
-          <pc:sldMk cId="212228772" sldId="269"/>
-        </pc:sldMkLst>
-        <pc:spChg chg="mod">
-          <ac:chgData name="Sampson Abrahams" userId="cc1d688c-588a-4417-8239-25fe8058dfdb" providerId="ADAL" clId="{8A63BCB5-57A4-A041-B939-516126DA255B}" dt="2019-06-04T03:18:01.344" v="66" actId="26606"/>
-          <ac:spMkLst>
-            <pc:docMk/>
-            <pc:sldMk cId="212228772" sldId="269"/>
-            <ac:spMk id="2" creationId="{8E881E39-79E5-4C12-8988-0226AC5866DB}"/>
-          </ac:spMkLst>
-        </pc:spChg>
-        <pc:spChg chg="mod">
-          <ac:chgData name="Sampson Abrahams" userId="cc1d688c-588a-4417-8239-25fe8058dfdb" providerId="ADAL" clId="{8A63BCB5-57A4-A041-B939-516126DA255B}" dt="2019-06-04T03:18:01.344" v="66" actId="26606"/>
-          <ac:spMkLst>
-            <pc:docMk/>
-            <pc:sldMk cId="212228772" sldId="269"/>
-            <ac:spMk id="3" creationId="{2B14A2CA-A863-4F6C-860B-14CDFA774CE6}"/>
-          </ac:spMkLst>
-        </pc:spChg>
-        <pc:spChg chg="mod">
-          <ac:chgData name="Sampson Abrahams" userId="cc1d688c-588a-4417-8239-25fe8058dfdb" providerId="ADAL" clId="{8A63BCB5-57A4-A041-B939-516126DA255B}" dt="2019-06-04T03:18:01.344" v="66" actId="26606"/>
-          <ac:spMkLst>
-            <pc:docMk/>
-            <pc:sldMk cId="212228772" sldId="269"/>
-            <ac:spMk id="4" creationId="{231267E5-3283-424E-96B3-66D08E06156E}"/>
-          </ac:spMkLst>
-        </pc:spChg>
-        <pc:spChg chg="del">
-          <ac:chgData name="Sampson Abrahams" userId="cc1d688c-588a-4417-8239-25fe8058dfdb" providerId="ADAL" clId="{8A63BCB5-57A4-A041-B939-516126DA255B}" dt="2019-06-04T03:18:01.344" v="66" actId="26606"/>
-          <ac:spMkLst>
-            <pc:docMk/>
-            <pc:sldMk cId="212228772" sldId="269"/>
-            <ac:spMk id="5" creationId="{EF0637B3-89CE-45BE-BA47-CF35FF26FC3B}"/>
-          </ac:spMkLst>
-        </pc:spChg>
-        <pc:spChg chg="mod ord">
-          <ac:chgData name="Sampson Abrahams" userId="cc1d688c-588a-4417-8239-25fe8058dfdb" providerId="ADAL" clId="{8A63BCB5-57A4-A041-B939-516126DA255B}" dt="2019-06-04T03:18:01.344" v="66" actId="26606"/>
-          <ac:spMkLst>
-            <pc:docMk/>
-            <pc:sldMk cId="212228772" sldId="269"/>
-            <ac:spMk id="6" creationId="{DE5D1C71-18E9-4786-9CBA-4890D7D01076}"/>
-          </ac:spMkLst>
-        </pc:spChg>
-        <pc:spChg chg="add mod">
-          <ac:chgData name="Sampson Abrahams" userId="cc1d688c-588a-4417-8239-25fe8058dfdb" providerId="ADAL" clId="{8A63BCB5-57A4-A041-B939-516126DA255B}" dt="2019-06-04T03:18:01.344" v="66" actId="26606"/>
-          <ac:spMkLst>
-            <pc:docMk/>
-            <pc:sldMk cId="212228772" sldId="269"/>
-            <ac:spMk id="11" creationId="{156582B4-DC00-4041-B1C7-0BFF2FAB82E6}"/>
-          </ac:spMkLst>
-        </pc:spChg>
-      </pc:sldChg>
-      <pc:sldChg chg="addSp delSp modSp add">
-        <pc:chgData name="Sampson Abrahams" userId="cc1d688c-588a-4417-8239-25fe8058dfdb" providerId="ADAL" clId="{8A63BCB5-57A4-A041-B939-516126DA255B}" dt="2019-06-04T03:57:18.219" v="219" actId="26606"/>
-        <pc:sldMkLst>
-          <pc:docMk/>
-          <pc:sldMk cId="1129131550" sldId="270"/>
-        </pc:sldMkLst>
-        <pc:spChg chg="mod">
-          <ac:chgData name="Sampson Abrahams" userId="cc1d688c-588a-4417-8239-25fe8058dfdb" providerId="ADAL" clId="{8A63BCB5-57A4-A041-B939-516126DA255B}" dt="2019-06-04T03:52:15.684" v="134" actId="26606"/>
-          <ac:spMkLst>
-            <pc:docMk/>
-            <pc:sldMk cId="1129131550" sldId="270"/>
-            <ac:spMk id="2" creationId="{00000000-0000-0000-0000-000000000000}"/>
-          </ac:spMkLst>
-        </pc:spChg>
-        <pc:spChg chg="del">
-          <ac:chgData name="Sampson Abrahams" userId="cc1d688c-588a-4417-8239-25fe8058dfdb" providerId="ADAL" clId="{8A63BCB5-57A4-A041-B939-516126DA255B}" dt="2019-06-04T03:52:15.684" v="134" actId="26606"/>
-          <ac:spMkLst>
-            <pc:docMk/>
-            <pc:sldMk cId="1129131550" sldId="270"/>
-            <ac:spMk id="14" creationId="{182FACD5-D6B6-4064-AC6C-B8B06780049B}"/>
-          </ac:spMkLst>
-        </pc:spChg>
-        <pc:spChg chg="add del">
-          <ac:chgData name="Sampson Abrahams" userId="cc1d688c-588a-4417-8239-25fe8058dfdb" providerId="ADAL" clId="{8A63BCB5-57A4-A041-B939-516126DA255B}" dt="2019-06-04T03:57:18.219" v="219" actId="26606"/>
-          <ac:spMkLst>
-            <pc:docMk/>
-            <pc:sldMk cId="1129131550" sldId="270"/>
-            <ac:spMk id="19" creationId="{BE596892-C02D-4ED4-A3AB-7ED330DDD6D8}"/>
-          </ac:spMkLst>
-        </pc:spChg>
-        <pc:spChg chg="add">
-          <ac:chgData name="Sampson Abrahams" userId="cc1d688c-588a-4417-8239-25fe8058dfdb" providerId="ADAL" clId="{8A63BCB5-57A4-A041-B939-516126DA255B}" dt="2019-06-04T03:57:18.219" v="219" actId="26606"/>
-          <ac:spMkLst>
-            <pc:docMk/>
-            <pc:sldMk cId="1129131550" sldId="270"/>
-            <ac:spMk id="24" creationId="{7A7321B4-2E5D-4256-834A-44143FA6F0F0}"/>
-          </ac:spMkLst>
-        </pc:spChg>
-        <pc:picChg chg="add del mod ord">
-          <ac:chgData name="Sampson Abrahams" userId="cc1d688c-588a-4417-8239-25fe8058dfdb" providerId="ADAL" clId="{8A63BCB5-57A4-A041-B939-516126DA255B}" dt="2019-06-04T03:57:04.355" v="215" actId="478"/>
-          <ac:picMkLst>
-            <pc:docMk/>
-            <pc:sldMk cId="1129131550" sldId="270"/>
-            <ac:picMk id="6" creationId="{9CA3D598-B39F-0A4C-84DD-1B52BB2F3EFE}"/>
-          </ac:picMkLst>
-        </pc:picChg>
-        <pc:picChg chg="add mod ord">
-          <ac:chgData name="Sampson Abrahams" userId="cc1d688c-588a-4417-8239-25fe8058dfdb" providerId="ADAL" clId="{8A63BCB5-57A4-A041-B939-516126DA255B}" dt="2019-06-04T03:57:18.219" v="219" actId="26606"/>
-          <ac:picMkLst>
-            <pc:docMk/>
-            <pc:sldMk cId="1129131550" sldId="270"/>
-            <ac:picMk id="8" creationId="{33A0D3D7-7BF5-5F41-B175-B19CABAE62BB}"/>
-          </ac:picMkLst>
-        </pc:picChg>
-        <pc:picChg chg="del">
-          <ac:chgData name="Sampson Abrahams" userId="cc1d688c-588a-4417-8239-25fe8058dfdb" providerId="ADAL" clId="{8A63BCB5-57A4-A041-B939-516126DA255B}" dt="2019-06-04T03:50:52.274" v="100" actId="478"/>
-          <ac:picMkLst>
-            <pc:docMk/>
-            <pc:sldMk cId="1129131550" sldId="270"/>
-            <ac:picMk id="9" creationId="{3F75B1B1-D594-0144-8982-2FA1F9730F72}"/>
-          </ac:picMkLst>
-        </pc:picChg>
-      </pc:sldChg>
-    </pc:docChg>
-  </pc:docChgLst>
-  <pc:docChgLst>
-    <pc:chgData name="Xai Vang" userId="S::vm9617qo@metrostate.edu::f28fac22-9850-4153-a8e1-8b6743cd48e0" providerId="AD" clId="Web-{30A9C844-D539-A2E9-E0E1-4F5C1A6581E8}"/>
-    <pc:docChg chg="modSld">
-      <pc:chgData name="Xai Vang" userId="S::vm9617qo@metrostate.edu::f28fac22-9850-4153-a8e1-8b6743cd48e0" providerId="AD" clId="Web-{30A9C844-D539-A2E9-E0E1-4F5C1A6581E8}" dt="2019-06-04T04:42:24.464" v="2" actId="1076"/>
-      <pc:docMkLst>
-        <pc:docMk/>
-      </pc:docMkLst>
-      <pc:sldChg chg="modSp">
-        <pc:chgData name="Xai Vang" userId="S::vm9617qo@metrostate.edu::f28fac22-9850-4153-a8e1-8b6743cd48e0" providerId="AD" clId="Web-{30A9C844-D539-A2E9-E0E1-4F5C1A6581E8}" dt="2019-06-04T04:42:24.464" v="2" actId="1076"/>
-        <pc:sldMkLst>
-          <pc:docMk/>
-          <pc:sldMk cId="3092495496" sldId="264"/>
-        </pc:sldMkLst>
-        <pc:spChg chg="mod">
-          <ac:chgData name="Xai Vang" userId="S::vm9617qo@metrostate.edu::f28fac22-9850-4153-a8e1-8b6743cd48e0" providerId="AD" clId="Web-{30A9C844-D539-A2E9-E0E1-4F5C1A6581E8}" dt="2019-06-04T04:42:20.667" v="1" actId="1076"/>
-          <ac:spMkLst>
-            <pc:docMk/>
-            <pc:sldMk cId="3092495496" sldId="264"/>
-            <ac:spMk id="2" creationId="{00000000-0000-0000-0000-000000000000}"/>
-          </ac:spMkLst>
-        </pc:spChg>
-        <pc:spChg chg="mod">
-          <ac:chgData name="Xai Vang" userId="S::vm9617qo@metrostate.edu::f28fac22-9850-4153-a8e1-8b6743cd48e0" providerId="AD" clId="Web-{30A9C844-D539-A2E9-E0E1-4F5C1A6581E8}" dt="2019-06-04T04:42:24.464" v="2" actId="1076"/>
-          <ac:spMkLst>
-            <pc:docMk/>
-            <pc:sldMk cId="3092495496" sldId="264"/>
-            <ac:spMk id="6" creationId="{60E6372A-AC0B-7944-82C9-0597476FB5FA}"/>
-          </ac:spMkLst>
-        </pc:spChg>
-      </pc:sldChg>
-    </pc:docChg>
-  </pc:docChgLst>
-</pc:chgInfo>
 </file>
 
 <file path=ppt/slideLayouts/slideLayout1.xml><?xml version="1.0" encoding="utf-8"?>
@@ -5783,6 +4834,44 @@
           </a:p>
         </p:txBody>
       </p:sp>
+      <p:sp>
+        <p:nvSpPr>
+          <p:cNvPr id="5" name="TextBox 4">
+            <a:extLst>
+              <a:ext uri="{FF2B5EF4-FFF2-40B4-BE49-F238E27FC236}">
+                <a16:creationId xmlns:a16="http://schemas.microsoft.com/office/drawing/2014/main" id="{61B0E348-6893-47AD-AF0F-46DDB3197F44}"/>
+              </a:ext>
+            </a:extLst>
+          </p:cNvPr>
+          <p:cNvSpPr txBox="1"/>
+          <p:nvPr/>
+        </p:nvSpPr>
+        <p:spPr>
+          <a:xfrm>
+            <a:off x="1711492" y="5997742"/>
+            <a:ext cx="2743200" cy="369332"/>
+          </a:xfrm>
+          <a:prstGeom prst="rect">
+            <a:avLst/>
+          </a:prstGeom>
+          <a:noFill/>
+        </p:spPr>
+        <p:txBody>
+          <a:bodyPr rot="0" spcFirstLastPara="0" vertOverflow="overflow" horzOverflow="overflow" vert="horz" wrap="square" lIns="91440" tIns="45720" rIns="91440" bIns="45720" numCol="1" spcCol="0" rtlCol="0" fromWordArt="0" anchor="t" anchorCtr="0" forceAA="0" compatLnSpc="1">
+            <a:prstTxWarp prst="textNoShape">
+              <a:avLst/>
+            </a:prstTxWarp>
+            <a:spAutoFit/>
+          </a:bodyPr>
+          <a:lstStyle/>
+          <a:p>
+            <a:r>
+              <a:rPr lang="en-US"/>
+              <a:t>Fig. Make Reservation</a:t>
+            </a:r>
+          </a:p>
+        </p:txBody>
+      </p:sp>
     </p:spTree>
     <p:extLst>
       <p:ext uri="{BB962C8B-B14F-4D97-AF65-F5344CB8AC3E}">
@@ -6023,6 +5112,44 @@
           </a:p>
         </p:txBody>
       </p:sp>
+      <p:sp>
+        <p:nvSpPr>
+          <p:cNvPr id="5" name="TextBox 4">
+            <a:extLst>
+              <a:ext uri="{FF2B5EF4-FFF2-40B4-BE49-F238E27FC236}">
+                <a16:creationId xmlns:a16="http://schemas.microsoft.com/office/drawing/2014/main" id="{EC2E0601-08DD-4868-BD38-E75CA57E8B30}"/>
+              </a:ext>
+            </a:extLst>
+          </p:cNvPr>
+          <p:cNvSpPr txBox="1"/>
+          <p:nvPr/>
+        </p:nvSpPr>
+        <p:spPr>
+          <a:xfrm>
+            <a:off x="1671387" y="5882439"/>
+            <a:ext cx="2743200" cy="369332"/>
+          </a:xfrm>
+          <a:prstGeom prst="rect">
+            <a:avLst/>
+          </a:prstGeom>
+          <a:noFill/>
+        </p:spPr>
+        <p:txBody>
+          <a:bodyPr rot="0" spcFirstLastPara="0" vertOverflow="overflow" horzOverflow="overflow" vert="horz" wrap="square" lIns="91440" tIns="45720" rIns="91440" bIns="45720" numCol="1" spcCol="0" rtlCol="0" fromWordArt="0" anchor="t" anchorCtr="0" forceAA="0" compatLnSpc="1">
+            <a:prstTxWarp prst="textNoShape">
+              <a:avLst/>
+            </a:prstTxWarp>
+            <a:spAutoFit/>
+          </a:bodyPr>
+          <a:lstStyle/>
+          <a:p>
+            <a:r>
+              <a:rPr lang="en-US"/>
+              <a:t>Fig. Pickup/Dropoff</a:t>
+            </a:r>
+          </a:p>
+        </p:txBody>
+      </p:sp>
     </p:spTree>
     <p:extLst>
       <p:ext uri="{BB962C8B-B14F-4D97-AF65-F5344CB8AC3E}">
@@ -6532,7 +5659,7 @@
           </a:bodyPr>
           <a:lstStyle/>
           <a:p>
-            <a:pPr indent="-256032">
+            <a:pPr indent="-255905">
               <a:lnSpc>
                 <a:spcPct val="150000"/>
               </a:lnSpc>
@@ -6552,8 +5679,33 @@
                   </a:outerShdw>
                 </a:effectLst>
               </a:rPr>
-              <a:t>Our goal is to create a reservation application and a system that can be used by small companies, such as S &amp; M car rental company to keep take in reservations and honor those reservations. </a:t>
-            </a:r>
+              <a:t>Our goal is to create a reservation application and a system that can be used by small companies, such as S &amp; M car rental company to </a:t>
+            </a:r>
+            <a:r>
+              <a:rPr lang="en-US" sz="2100">
+                <a:effectLst>
+                  <a:outerShdw blurRad="38100" dist="38100" dir="2700000" algn="tl">
+                    <a:srgbClr val="000000">
+                      <a:alpha val="43137"/>
+                    </a:srgbClr>
+                  </a:outerShdw>
+                </a:effectLst>
+              </a:rPr>
+              <a:t>keep/take in reservations and honor those </a:t>
+            </a:r>
+            <a:r>
+              <a:rPr lang="en-US" sz="2100" dirty="0">
+                <a:effectLst>
+                  <a:outerShdw blurRad="38100" dist="38100" dir="2700000" algn="tl">
+                    <a:srgbClr val="000000">
+                      <a:alpha val="43137"/>
+                    </a:srgbClr>
+                  </a:outerShdw>
+                </a:effectLst>
+              </a:rPr>
+              <a:t>reservations. </a:t>
+            </a:r>
+            <a:endParaRPr lang="en-US"/>
           </a:p>
         </p:txBody>
       </p:sp>
@@ -7146,7 +6298,7 @@
           </a:bodyPr>
           <a:lstStyle/>
           <a:p>
-            <a:pPr indent="-256032">
+            <a:pPr indent="-255905">
               <a:spcBef>
                 <a:spcPct val="20000"/>
               </a:spcBef>
@@ -7154,11 +6306,20 @@
             </a:pPr>
             <a:r>
               <a:rPr lang="en-US" sz="2400" dirty="0"/>
-              <a:t>The system/application should have database integration technology to store information use as customer data, car data, reservation data and more. The system should be able to allow the company to view its past and upcoming reservations </a:t>
-            </a:r>
-          </a:p>
-          <a:p>
-            <a:pPr indent="-256032">
+              <a:t>The system/application should have database integration technology to store </a:t>
+            </a:r>
+            <a:r>
+              <a:rPr lang="en-US" sz="2400"/>
+              <a:t>information such as customer data, car data, </a:t>
+            </a:r>
+            <a:r>
+              <a:rPr lang="en-US" sz="2400" dirty="0"/>
+              <a:t>reservation data and more. The system should be able to allow the company to view its past and upcoming reservations </a:t>
+            </a:r>
+            <a:endParaRPr lang="en-US"/>
+          </a:p>
+          <a:p>
+            <a:pPr indent="-255905">
               <a:spcBef>
                 <a:spcPct val="20000"/>
               </a:spcBef>

--- a/Project_Inception.pptx
+++ b/Project_Inception.pptx
@@ -3868,7 +3868,7 @@
           </a:bodyPr>
           <a:lstStyle/>
           <a:p>
-            <a:pPr indent="-256032">
+            <a:pPr indent="-255905">
               <a:spcBef>
                 <a:spcPct val="20000"/>
               </a:spcBef>
@@ -3885,7 +3885,170 @@
                   </a:outerShdw>
                 </a:effectLst>
               </a:rPr>
-              <a:t>As we’re still in the early stages we have yet to decide what the end resulting code and hardware will be. For now as we see it, we believe we will need/use MySQL (database), Java Servlet Programming, JSP (code), Apache Tomcat (web server), hardware capable of running the webserver and any web browser with access to the internet.</a:t>
+              <a:t>As we’re still in the early stages we have yet to decide what the end resulting code and hardware will be. For now as we see it, we believe </a:t>
+            </a:r>
+            <a:r>
+              <a:rPr lang="en-US" sz="2100">
+                <a:effectLst>
+                  <a:outerShdw blurRad="38100" dist="38100" dir="2700000" algn="tl">
+                    <a:srgbClr val="000000">
+                      <a:alpha val="43137"/>
+                    </a:srgbClr>
+                  </a:outerShdw>
+                </a:effectLst>
+              </a:rPr>
+              <a:t>we will:</a:t>
+            </a:r>
+            <a:endParaRPr lang="en-US"/>
+          </a:p>
+          <a:p>
+            <a:pPr marL="86995" indent="-342900">
+              <a:spcBef>
+                <a:spcPct val="20000"/>
+              </a:spcBef>
+              <a:buSzPct val="60000"/>
+              <a:buFont typeface="Arial" pitchFamily="2" charset="2"/>
+              <a:buChar char="•"/>
+            </a:pPr>
+            <a:r>
+              <a:rPr lang="en-US" sz="2100">
+                <a:effectLst>
+                  <a:outerShdw blurRad="38100" dist="38100" dir="2700000" algn="tl">
+                    <a:srgbClr val="000000">
+                      <a:alpha val="43137"/>
+                    </a:srgbClr>
+                  </a:outerShdw>
+                </a:effectLst>
+              </a:rPr>
+              <a:t> MySQL (database), </a:t>
+            </a:r>
+            <a:endParaRPr lang="en-US"/>
+          </a:p>
+          <a:p>
+            <a:pPr marL="86995" indent="-342900">
+              <a:spcBef>
+                <a:spcPct val="20000"/>
+              </a:spcBef>
+              <a:buSzPct val="60000"/>
+              <a:buFont typeface="Arial" pitchFamily="2" charset="2"/>
+              <a:buChar char="•"/>
+            </a:pPr>
+            <a:r>
+              <a:rPr lang="en-US" sz="2100">
+                <a:effectLst>
+                  <a:outerShdw blurRad="38100" dist="38100" dir="2700000" algn="tl">
+                    <a:srgbClr val="000000">
+                      <a:alpha val="43137"/>
+                    </a:srgbClr>
+                  </a:outerShdw>
+                </a:effectLst>
+              </a:rPr>
+              <a:t>Java Servlet </a:t>
+            </a:r>
+            <a:r>
+              <a:rPr lang="en-US" sz="2100" dirty="0">
+                <a:effectLst>
+                  <a:outerShdw blurRad="38100" dist="38100" dir="2700000" algn="tl">
+                    <a:srgbClr val="000000">
+                      <a:alpha val="43137"/>
+                    </a:srgbClr>
+                  </a:outerShdw>
+                </a:effectLst>
+              </a:rPr>
+              <a:t>Programming, </a:t>
+            </a:r>
+            <a:endParaRPr lang="en-US"/>
+          </a:p>
+          <a:p>
+            <a:pPr marL="86995" indent="-342900">
+              <a:spcBef>
+                <a:spcPct val="20000"/>
+              </a:spcBef>
+              <a:buSzPct val="60000"/>
+              <a:buFont typeface="Arial" pitchFamily="2" charset="2"/>
+              <a:buChar char="•"/>
+            </a:pPr>
+            <a:r>
+              <a:rPr lang="en-US" sz="2100">
+                <a:effectLst>
+                  <a:outerShdw blurRad="38100" dist="38100" dir="2700000" algn="tl">
+                    <a:srgbClr val="000000">
+                      <a:alpha val="43137"/>
+                    </a:srgbClr>
+                  </a:outerShdw>
+                </a:effectLst>
+              </a:rPr>
+              <a:t>JSP </a:t>
+            </a:r>
+            <a:endParaRPr lang="en-US"/>
+          </a:p>
+          <a:p>
+            <a:pPr marL="86995" indent="-342900">
+              <a:spcBef>
+                <a:spcPct val="20000"/>
+              </a:spcBef>
+              <a:buSzPct val="60000"/>
+              <a:buFont typeface="Arial" pitchFamily="2" charset="2"/>
+              <a:buChar char="•"/>
+            </a:pPr>
+            <a:r>
+              <a:rPr lang="en-US" sz="2100">
+                <a:effectLst>
+                  <a:outerShdw blurRad="38100" dist="38100" dir="2700000" algn="tl">
+                    <a:srgbClr val="000000">
+                      <a:alpha val="43137"/>
+                    </a:srgbClr>
+                  </a:outerShdw>
+                </a:effectLst>
+              </a:rPr>
+              <a:t>Apache </a:t>
+            </a:r>
+            <a:r>
+              <a:rPr lang="en-US" sz="2100" dirty="0">
+                <a:effectLst>
+                  <a:outerShdw blurRad="38100" dist="38100" dir="2700000" algn="tl">
+                    <a:srgbClr val="000000">
+                      <a:alpha val="43137"/>
+                    </a:srgbClr>
+                  </a:outerShdw>
+                </a:effectLst>
+              </a:rPr>
+              <a:t>Tomcat (</a:t>
+            </a:r>
+            <a:r>
+              <a:rPr lang="en-US" sz="2100">
+                <a:effectLst>
+                  <a:outerShdw blurRad="38100" dist="38100" dir="2700000" algn="tl">
+                    <a:srgbClr val="000000">
+                      <a:alpha val="43137"/>
+                    </a:srgbClr>
+                  </a:outerShdw>
+                </a:effectLst>
+              </a:rPr>
+              <a:t>web server) onsite (RasPI)</a:t>
+            </a:r>
+            <a:endParaRPr lang="en-US"/>
+          </a:p>
+          <a:p>
+            <a:pPr marL="86995" indent="-342900">
+              <a:spcBef>
+                <a:spcPct val="20000"/>
+              </a:spcBef>
+              <a:buSzPct val="60000"/>
+              <a:buFont typeface="Arial" pitchFamily="2" charset="2"/>
+              <a:buChar char="•"/>
+            </a:pPr>
+            <a:r>
+              <a:rPr lang="en-US" sz="2100">
+                <a:effectLst>
+                  <a:outerShdw blurRad="38100" dist="38100" dir="2700000" algn="tl">
+                    <a:srgbClr val="000000">
+                      <a:alpha val="43137"/>
+                    </a:srgbClr>
+                  </a:outerShdw>
+                </a:effectLst>
+              </a:rPr>
+              <a:t>Cloud hosting (AWS, Azure, Google Cloud)</a:t>
             </a:r>
           </a:p>
         </p:txBody>
@@ -4394,34 +4557,40 @@
           <a:bodyPr/>
           <a:lstStyle/>
           <a:p>
-            <a:pPr marL="18288" indent="0">
+            <a:pPr marL="17780" indent="0">
               <a:buNone/>
             </a:pPr>
             <a:r>
-              <a:rPr lang="en-US" dirty="0"/>
-              <a:t>Actors: Customer, Clerk, Car Tech</a:t>
-            </a:r>
-          </a:p>
-          <a:p>
-            <a:pPr marL="18288" indent="0">
+              <a:rPr lang="en-US"/>
+              <a:t>Actors: Customer, Clerk, Car Tech, Payment Service</a:t>
+            </a:r>
+          </a:p>
+          <a:p>
+            <a:pPr marL="17780" indent="0">
               <a:buNone/>
             </a:pPr>
             <a:endParaRPr lang="en-US" dirty="0"/>
           </a:p>
           <a:p>
-            <a:pPr lvl="1"/>
+            <a:pPr lvl="1" indent="-255905"/>
             <a:r>
               <a:rPr lang="en-US" sz="2000" dirty="0">
                 <a:effectLst/>
               </a:rPr>
-              <a:t>Customer uses systems to make a reservation for a car (rental a car)</a:t>
+              <a:t>Customer uses systems to make a reservation </a:t>
+            </a:r>
+            <a:r>
+              <a:rPr lang="en-US" sz="2000">
+                <a:effectLst/>
+              </a:rPr>
+              <a:t>for a car (rental a car)</a:t>
             </a:r>
             <a:endParaRPr lang="en-US" sz="2800" dirty="0">
               <a:effectLst/>
             </a:endParaRPr>
           </a:p>
           <a:p>
-            <a:pPr lvl="1"/>
+            <a:pPr lvl="1" indent="-255905"/>
             <a:r>
               <a:rPr lang="en-US" sz="2000" dirty="0">
                 <a:effectLst/>
@@ -4433,13 +4602,13 @@
             </a:endParaRPr>
           </a:p>
           <a:p>
-            <a:pPr marL="18288" indent="0">
+            <a:pPr marL="17780" indent="0">
               <a:buNone/>
             </a:pPr>
             <a:endParaRPr lang="en-US" dirty="0"/>
           </a:p>
           <a:p>
-            <a:pPr marL="18288" indent="0">
+            <a:pPr marL="17780" indent="0">
               <a:buNone/>
             </a:pPr>
             <a:endParaRPr lang="en-US" dirty="0"/>
@@ -7095,7 +7264,7 @@
           </a:bodyPr>
           <a:lstStyle/>
           <a:p>
-            <a:pPr indent="-256032">
+            <a:pPr indent="-255905">
               <a:spcBef>
                 <a:spcPct val="20000"/>
               </a:spcBef>
@@ -7112,8 +7281,9 @@
                   </a:outerShdw>
                 </a:effectLst>
               </a:rPr>
-              <a:t>In our limited introduction to SDLC processes, we believe that Agile methodology allows for the most flexibility as it relates to being able to shift in the moment and or fail and fail fast to understand quickly how we move forward.  As Agile Methodology allows for ever changing requirements during development as the software is developed, key stakeholders must work together throughout the entire project, we believe it using Agile provides a competitive advantage</a:t>
-            </a:r>
+              <a:t>In our limited introduction to SDLC processes, we believe that Agile methodology allows for the most flexibility as it relates to being able to shift in the moment and or fail and fail fast to understand quickly how we move forward.  As Agile Methodology allows for ever changing requirements during development as the software is developed, key stakeholders must work together throughout the entire project, we believe it using Agile provides a competitive advantage</a:t>
+            </a:r>
+            <a:endParaRPr lang="en-US"/>
           </a:p>
         </p:txBody>
       </p:sp>
@@ -7358,7 +7528,7 @@
           </a:bodyPr>
           <a:lstStyle/>
           <a:p>
-            <a:pPr indent="-256032">
+            <a:pPr indent="-255905">
               <a:spcBef>
                 <a:spcPct val="20000"/>
               </a:spcBef>
@@ -7375,8 +7545,33 @@
                   </a:outerShdw>
                 </a:effectLst>
               </a:rPr>
-              <a:t>The functionality of the application is to provide the companies simply and easy to use car reservation system, this will allow customers place a reservations and companies a means to take said reservation and honor.</a:t>
-            </a:r>
+              <a:t>The functionality of the application is to provide </a:t>
+            </a:r>
+            <a:r>
+              <a:rPr lang="en-US" sz="2100">
+                <a:effectLst>
+                  <a:outerShdw blurRad="38100" dist="38100" dir="2700000" algn="tl">
+                    <a:srgbClr val="000000">
+                      <a:alpha val="43137"/>
+                    </a:srgbClr>
+                  </a:outerShdw>
+                </a:effectLst>
+              </a:rPr>
+              <a:t>the companies and customers simply and easy to use car </a:t>
+            </a:r>
+            <a:r>
+              <a:rPr lang="en-US" sz="2100" dirty="0">
+                <a:effectLst>
+                  <a:outerShdw blurRad="38100" dist="38100" dir="2700000" algn="tl">
+                    <a:srgbClr val="000000">
+                      <a:alpha val="43137"/>
+                    </a:srgbClr>
+                  </a:outerShdw>
+                </a:effectLst>
+              </a:rPr>
+              <a:t>reservation system, this will allow customers place a reservations and companies a means to take said reservation and honor.</a:t>
+            </a:r>
+            <a:endParaRPr lang="en-US"/>
           </a:p>
         </p:txBody>
       </p:sp>
